--- a/slides/teachingDemo/image/LPtypo.pptx
+++ b/slides/teachingDemo/image/LPtypo.pptx
@@ -265,7 +265,7 @@
           <a:p>
             <a:fld id="{56C4A917-EC3E-43AB-AA7E-DD0EB1234308}" type="datetimeFigureOut">
               <a:rPr lang="en-US" smtClean="0"/>
-              <a:t>2017-12-01-Fri</a:t>
+              <a:t>2017-12-03-Sun</a:t>
             </a:fld>
             <a:endParaRPr lang="en-US"/>
           </a:p>
@@ -463,7 +463,7 @@
           <a:p>
             <a:fld id="{56C4A917-EC3E-43AB-AA7E-DD0EB1234308}" type="datetimeFigureOut">
               <a:rPr lang="en-US" smtClean="0"/>
-              <a:t>2017-12-01-Fri</a:t>
+              <a:t>2017-12-03-Sun</a:t>
             </a:fld>
             <a:endParaRPr lang="en-US"/>
           </a:p>
@@ -671,7 +671,7 @@
           <a:p>
             <a:fld id="{56C4A917-EC3E-43AB-AA7E-DD0EB1234308}" type="datetimeFigureOut">
               <a:rPr lang="en-US" smtClean="0"/>
-              <a:t>2017-12-01-Fri</a:t>
+              <a:t>2017-12-03-Sun</a:t>
             </a:fld>
             <a:endParaRPr lang="en-US"/>
           </a:p>
@@ -869,7 +869,7 @@
           <a:p>
             <a:fld id="{56C4A917-EC3E-43AB-AA7E-DD0EB1234308}" type="datetimeFigureOut">
               <a:rPr lang="en-US" smtClean="0"/>
-              <a:t>2017-12-01-Fri</a:t>
+              <a:t>2017-12-03-Sun</a:t>
             </a:fld>
             <a:endParaRPr lang="en-US"/>
           </a:p>
@@ -1144,7 +1144,7 @@
           <a:p>
             <a:fld id="{56C4A917-EC3E-43AB-AA7E-DD0EB1234308}" type="datetimeFigureOut">
               <a:rPr lang="en-US" smtClean="0"/>
-              <a:t>2017-12-01-Fri</a:t>
+              <a:t>2017-12-03-Sun</a:t>
             </a:fld>
             <a:endParaRPr lang="en-US"/>
           </a:p>
@@ -1409,7 +1409,7 @@
           <a:p>
             <a:fld id="{56C4A917-EC3E-43AB-AA7E-DD0EB1234308}" type="datetimeFigureOut">
               <a:rPr lang="en-US" smtClean="0"/>
-              <a:t>2017-12-01-Fri</a:t>
+              <a:t>2017-12-03-Sun</a:t>
             </a:fld>
             <a:endParaRPr lang="en-US"/>
           </a:p>
@@ -1821,7 +1821,7 @@
           <a:p>
             <a:fld id="{56C4A917-EC3E-43AB-AA7E-DD0EB1234308}" type="datetimeFigureOut">
               <a:rPr lang="en-US" smtClean="0"/>
-              <a:t>2017-12-01-Fri</a:t>
+              <a:t>2017-12-03-Sun</a:t>
             </a:fld>
             <a:endParaRPr lang="en-US"/>
           </a:p>
@@ -1962,7 +1962,7 @@
           <a:p>
             <a:fld id="{56C4A917-EC3E-43AB-AA7E-DD0EB1234308}" type="datetimeFigureOut">
               <a:rPr lang="en-US" smtClean="0"/>
-              <a:t>2017-12-01-Fri</a:t>
+              <a:t>2017-12-03-Sun</a:t>
             </a:fld>
             <a:endParaRPr lang="en-US"/>
           </a:p>
@@ -2075,7 +2075,7 @@
           <a:p>
             <a:fld id="{56C4A917-EC3E-43AB-AA7E-DD0EB1234308}" type="datetimeFigureOut">
               <a:rPr lang="en-US" smtClean="0"/>
-              <a:t>2017-12-01-Fri</a:t>
+              <a:t>2017-12-03-Sun</a:t>
             </a:fld>
             <a:endParaRPr lang="en-US"/>
           </a:p>
@@ -2386,7 +2386,7 @@
           <a:p>
             <a:fld id="{56C4A917-EC3E-43AB-AA7E-DD0EB1234308}" type="datetimeFigureOut">
               <a:rPr lang="en-US" smtClean="0"/>
-              <a:t>2017-12-01-Fri</a:t>
+              <a:t>2017-12-03-Sun</a:t>
             </a:fld>
             <a:endParaRPr lang="en-US"/>
           </a:p>
@@ -2674,7 +2674,7 @@
           <a:p>
             <a:fld id="{56C4A917-EC3E-43AB-AA7E-DD0EB1234308}" type="datetimeFigureOut">
               <a:rPr lang="en-US" smtClean="0"/>
-              <a:t>2017-12-01-Fri</a:t>
+              <a:t>2017-12-03-Sun</a:t>
             </a:fld>
             <a:endParaRPr lang="en-US"/>
           </a:p>
@@ -2915,7 +2915,7 @@
           <a:p>
             <a:fld id="{56C4A917-EC3E-43AB-AA7E-DD0EB1234308}" type="datetimeFigureOut">
               <a:rPr lang="en-US" smtClean="0"/>
-              <a:t>2017-12-01-Fri</a:t>
+              <a:t>2017-12-03-Sun</a:t>
             </a:fld>
             <a:endParaRPr lang="en-US"/>
           </a:p>
@@ -3484,7 +3484,7 @@
         <p:spPr>
           <a:xfrm>
             <a:off x="3179134" y="1998920"/>
-            <a:ext cx="1985095" cy="923330"/>
+            <a:ext cx="725711" cy="646331"/>
           </a:xfrm>
           <a:prstGeom prst="rect">
             <a:avLst/>
@@ -3500,12 +3500,6 @@
             <a:r>
               <a:rPr lang="en-US" altLang="zh-CN" dirty="0"/>
               <a:t>China</a:t>
-            </a:r>
-          </a:p>
-          <a:p>
-            <a:r>
-              <a:rPr lang="en-US" dirty="0"/>
-              <a:t>Taiwan(1945-2007)</a:t>
             </a:r>
           </a:p>
           <a:p>
@@ -3566,7 +3560,7 @@
         <p:spPr>
           <a:xfrm>
             <a:off x="7368361" y="1998920"/>
-            <a:ext cx="2233240" cy="646331"/>
+            <a:ext cx="1007007" cy="369332"/>
           </a:xfrm>
           <a:prstGeom prst="rect">
             <a:avLst/>
@@ -3578,12 +3572,6 @@
             <a:spAutoFit/>
           </a:bodyPr>
           <a:lstStyle/>
-          <a:p>
-            <a:r>
-              <a:rPr lang="en-US" dirty="0"/>
-              <a:t>Taiwan(2007-present)</a:t>
-            </a:r>
-          </a:p>
           <a:p>
             <a:r>
               <a:rPr lang="en-US" dirty="0"/>
@@ -3725,7 +3713,7 @@
         <p:spPr>
           <a:xfrm>
             <a:off x="3179134" y="1998920"/>
-            <a:ext cx="1985095" cy="646331"/>
+            <a:ext cx="715260" cy="369332"/>
           </a:xfrm>
           <a:prstGeom prst="rect">
             <a:avLst/>
@@ -3751,16 +3739,6 @@
                 <a:srgbClr val="FF0000"/>
               </a:solidFill>
             </a:endParaRPr>
-          </a:p>
-          <a:p>
-            <a:r>
-              <a:rPr lang="en-US" dirty="0">
-                <a:solidFill>
-                  <a:srgbClr val="FF0000"/>
-                </a:solidFill>
-              </a:rPr>
-              <a:t>Taiwan(1945-2007)</a:t>
-            </a:r>
           </a:p>
         </p:txBody>
       </p:sp>
@@ -3799,45 +3777,6 @@
                 </a:solidFill>
               </a:rPr>
               <a:t>Singapore</a:t>
-            </a:r>
-          </a:p>
-        </p:txBody>
-      </p:sp>
-      <p:sp>
-        <p:nvSpPr>
-          <p:cNvPr id="7" name="TextBox 6">
-            <a:extLst>
-              <a:ext uri="{FF2B5EF4-FFF2-40B4-BE49-F238E27FC236}">
-                <a16:creationId xmlns:a16="http://schemas.microsoft.com/office/drawing/2014/main" id="{CEF447D7-F240-4936-BE7C-D7BF576AC711}"/>
-              </a:ext>
-            </a:extLst>
-          </p:cNvPr>
-          <p:cNvSpPr txBox="1"/>
-          <p:nvPr/>
-        </p:nvSpPr>
-        <p:spPr>
-          <a:xfrm>
-            <a:off x="7368362" y="1998920"/>
-            <a:ext cx="2233240" cy="369332"/>
-          </a:xfrm>
-          <a:prstGeom prst="rect">
-            <a:avLst/>
-          </a:prstGeom>
-          <a:noFill/>
-        </p:spPr>
-        <p:txBody>
-          <a:bodyPr wrap="none" rtlCol="0">
-            <a:spAutoFit/>
-          </a:bodyPr>
-          <a:lstStyle/>
-          <a:p>
-            <a:r>
-              <a:rPr lang="en-US" dirty="0">
-                <a:solidFill>
-                  <a:srgbClr val="FF0000"/>
-                </a:solidFill>
-              </a:rPr>
-              <a:t>Taiwan(2007-present)</a:t>
             </a:r>
           </a:p>
         </p:txBody>
